--- a/Table 46 presentation.pptx
+++ b/Table 46 presentation.pptx
@@ -107,6 +107,22 @@
       </a:defRPr>
     </a:lvl9pPr>
   </p:defaultTextStyle>
+  <p:extLst>
+    <p:ext uri="{EFAFB233-063F-42B5-8137-9DF3F51BA10A}">
+      <p15:sldGuideLst xmlns:p15="http://schemas.microsoft.com/office/powerpoint/2012/main">
+        <p15:guide id="1" orient="horz" pos="2160">
+          <p15:clr>
+            <a:srgbClr val="A4A3A4"/>
+          </p15:clr>
+        </p15:guide>
+        <p15:guide id="2" pos="2880">
+          <p15:clr>
+            <a:srgbClr val="A4A3A4"/>
+          </p15:clr>
+        </p15:guide>
+      </p15:sldGuideLst>
+    </p:ext>
+  </p:extLst>
 </p:presentation>
 </file>
 
@@ -3947,7 +3963,7 @@
         </p:blipFill>
         <p:spPr>
           <a:xfrm>
-            <a:off x="8511964" y="4919814"/>
+            <a:off x="4506973" y="4801203"/>
             <a:ext cx="548640" cy="731520"/>
           </a:xfrm>
           <a:prstGeom prst="rect">
@@ -4028,42 +4044,6 @@
           <a:xfrm flipV="1">
             <a:off x="1154380" y="2966518"/>
             <a:ext cx="672406" cy="742223"/>
-          </a:xfrm>
-          <a:prstGeom prst="straightConnector1">
-            <a:avLst/>
-          </a:prstGeom>
-          <a:ln>
-            <a:tailEnd type="arrow"/>
-          </a:ln>
-        </p:spPr>
-        <p:style>
-          <a:lnRef idx="1">
-            <a:schemeClr val="accent1"/>
-          </a:lnRef>
-          <a:fillRef idx="0">
-            <a:schemeClr val="accent1"/>
-          </a:fillRef>
-          <a:effectRef idx="0">
-            <a:schemeClr val="accent1"/>
-          </a:effectRef>
-          <a:fontRef idx="minor">
-            <a:schemeClr val="tx1"/>
-          </a:fontRef>
-        </p:style>
-      </p:cxnSp>
-      <p:cxnSp>
-        <p:nvCxnSpPr>
-          <p:cNvPr id="30" name="Straight Arrow Connector 29"/>
-          <p:cNvCxnSpPr>
-            <a:stCxn id="7" idx="3"/>
-            <a:endCxn id="67" idx="1"/>
-          </p:cNvCxnSpPr>
-          <p:nvPr/>
-        </p:nvCxnSpPr>
-        <p:spPr>
-          <a:xfrm flipV="1">
-            <a:off x="3398740" y="2925096"/>
-            <a:ext cx="580190" cy="717983"/>
           </a:xfrm>
           <a:prstGeom prst="straightConnector1">
             <a:avLst/>
@@ -4348,7 +4328,7 @@
         <p:spPr>
           <a:xfrm>
             <a:off x="268392" y="4021647"/>
-            <a:ext cx="2080121" cy="646331"/>
+            <a:ext cx="2122441" cy="646331"/>
           </a:xfrm>
           <a:prstGeom prst="rect">
             <a:avLst/>
@@ -4370,15 +4350,7 @@
           <a:p>
             <a:r>
               <a:rPr lang="en-US" dirty="0" smtClean="0"/>
-              <a:t>  HTML/</a:t>
-            </a:r>
-            <a:r>
-              <a:rPr lang="en-US" dirty="0" err="1" smtClean="0"/>
-              <a:t>js</a:t>
-            </a:r>
-            <a:r>
-              <a:rPr lang="en-US" dirty="0" smtClean="0"/>
-              <a:t>/bootstrap</a:t>
+              <a:t>Serves static content</a:t>
             </a:r>
             <a:endParaRPr lang="en-US" dirty="0"/>
           </a:p>
@@ -4392,7 +4364,7 @@
         </p:nvSpPr>
         <p:spPr>
           <a:xfrm>
-            <a:off x="1414721" y="2114749"/>
+            <a:off x="1468651" y="1814918"/>
             <a:ext cx="1363065" cy="646331"/>
           </a:xfrm>
           <a:prstGeom prst="rect">
@@ -4418,7 +4390,11 @@
             </a:r>
             <a:r>
               <a:rPr lang="en-US" dirty="0" smtClean="0"/>
-              <a:t> pass-thru</a:t>
+              <a:t> </a:t>
+            </a:r>
+            <a:r>
+              <a:rPr lang="en-US" dirty="0" smtClean="0"/>
+              <a:t>pass-thru</a:t>
             </a:r>
             <a:endParaRPr lang="en-US" dirty="0"/>
           </a:p>
@@ -4433,7 +4409,7 @@
         <p:spPr>
           <a:xfrm>
             <a:off x="3016053" y="3923650"/>
-            <a:ext cx="1234697" cy="646331"/>
+            <a:ext cx="1629998" cy="646331"/>
           </a:xfrm>
           <a:prstGeom prst="rect">
             <a:avLst/>
@@ -4458,7 +4434,11 @@
             </a:r>
             <a:r>
               <a:rPr lang="en-US" dirty="0" smtClean="0"/>
-              <a:t> store data</a:t>
+              <a:t> </a:t>
+            </a:r>
+            <a:r>
+              <a:rPr lang="en-US" dirty="0" smtClean="0"/>
+              <a:t>Stores PII data</a:t>
             </a:r>
             <a:endParaRPr lang="en-US" dirty="0"/>
           </a:p>
@@ -4473,7 +4453,7 @@
         <p:spPr>
           <a:xfrm>
             <a:off x="4811320" y="3755689"/>
-            <a:ext cx="1899559" cy="646331"/>
+            <a:ext cx="1918154" cy="646331"/>
           </a:xfrm>
           <a:prstGeom prst="rect">
             <a:avLst/>
@@ -4498,7 +4478,15 @@
             </a:r>
             <a:r>
               <a:rPr lang="en-US" dirty="0" smtClean="0"/>
-              <a:t> stores clean CSVs</a:t>
+              <a:t> </a:t>
+            </a:r>
+            <a:r>
+              <a:rPr lang="en-US" dirty="0" smtClean="0"/>
+              <a:t>Stores </a:t>
+            </a:r>
+            <a:r>
+              <a:rPr lang="en-US" dirty="0" smtClean="0"/>
+              <a:t>clean CSVs</a:t>
             </a:r>
             <a:endParaRPr lang="en-US" dirty="0"/>
           </a:p>
@@ -4513,7 +4501,7 @@
         <p:spPr>
           <a:xfrm>
             <a:off x="3147170" y="2068452"/>
-            <a:ext cx="1772601" cy="646331"/>
+            <a:ext cx="1825500" cy="646331"/>
           </a:xfrm>
           <a:prstGeom prst="rect">
             <a:avLst/>
@@ -4534,7 +4522,11 @@
           <a:p>
             <a:r>
               <a:rPr lang="en-US" dirty="0" smtClean="0"/>
-              <a:t>  transforms data</a:t>
+              <a:t>  </a:t>
+            </a:r>
+            <a:r>
+              <a:rPr lang="en-US" dirty="0" smtClean="0"/>
+              <a:t>transforms data</a:t>
             </a:r>
             <a:endParaRPr lang="en-US" dirty="0"/>
           </a:p>
@@ -4649,8 +4641,8 @@
         </p:nvSpPr>
         <p:spPr>
           <a:xfrm>
-            <a:off x="7505014" y="5320632"/>
-            <a:ext cx="1599733" cy="369332"/>
+            <a:off x="3940687" y="5452523"/>
+            <a:ext cx="1599733" cy="646331"/>
           </a:xfrm>
           <a:prstGeom prst="rect">
             <a:avLst/>
@@ -4666,6 +4658,17 @@
             <a:r>
               <a:rPr lang="en-US" b="1" dirty="0" smtClean="0"/>
               <a:t>Administrators</a:t>
+            </a:r>
+          </a:p>
+          <a:p>
+            <a:pPr algn="ctr"/>
+            <a:r>
+              <a:rPr lang="en-US" b="1" dirty="0"/>
+              <a:t>a</a:t>
+            </a:r>
+            <a:r>
+              <a:rPr lang="en-US" b="1" dirty="0" smtClean="0"/>
+              <a:t>nd Teachers</a:t>
             </a:r>
             <a:endParaRPr lang="en-US" b="1" dirty="0"/>
           </a:p>
@@ -4736,14 +4739,14 @@
           <p:cNvPr id="69" name="Straight Arrow Connector 68"/>
           <p:cNvCxnSpPr>
             <a:stCxn id="10" idx="3"/>
-            <a:endCxn id="7" idx="1"/>
+            <a:endCxn id="67" idx="0"/>
           </p:cNvCxnSpPr>
           <p:nvPr/>
         </p:nvCxnSpPr>
         <p:spPr>
-          <a:xfrm>
-            <a:off x="2348152" y="2966518"/>
-            <a:ext cx="547448" cy="676561"/>
+          <a:xfrm flipV="1">
+            <a:off x="2348152" y="2642616"/>
+            <a:ext cx="1902598" cy="323902"/>
           </a:xfrm>
           <a:prstGeom prst="straightConnector1">
             <a:avLst/>
@@ -4813,14 +4816,13 @@
           <p:cNvPr id="78" name="Straight Arrow Connector 77"/>
           <p:cNvCxnSpPr>
             <a:stCxn id="4098" idx="3"/>
-            <a:endCxn id="7" idx="2"/>
           </p:cNvCxnSpPr>
           <p:nvPr/>
         </p:nvCxnSpPr>
         <p:spPr>
           <a:xfrm flipV="1">
-            <a:off x="2697400" y="3903966"/>
-            <a:ext cx="449770" cy="1078878"/>
+            <a:off x="2697400" y="3724873"/>
+            <a:ext cx="336128" cy="1257971"/>
           </a:xfrm>
           <a:prstGeom prst="straightConnector1">
             <a:avLst/>
@@ -4910,14 +4912,14 @@
           <p:cNvPr id="88" name="Straight Arrow Connector 87"/>
           <p:cNvCxnSpPr>
             <a:stCxn id="87" idx="3"/>
-            <a:endCxn id="9" idx="1"/>
+            <a:endCxn id="34" idx="0"/>
           </p:cNvCxnSpPr>
           <p:nvPr/>
         </p:nvCxnSpPr>
         <p:spPr>
-          <a:xfrm>
-            <a:off x="5696768" y="2614340"/>
-            <a:ext cx="652500" cy="354809"/>
+          <a:xfrm flipH="1">
+            <a:off x="5351642" y="2614340"/>
+            <a:ext cx="345126" cy="742166"/>
           </a:xfrm>
           <a:prstGeom prst="straightConnector1">
             <a:avLst/>
@@ -4986,7 +4988,7 @@
         <p:spPr>
           <a:xfrm>
             <a:off x="5070874" y="1684201"/>
-            <a:ext cx="1784527" cy="646331"/>
+            <a:ext cx="1774525" cy="646331"/>
           </a:xfrm>
           <a:prstGeom prst="rect">
             <a:avLst/>
@@ -5007,12 +5009,355 @@
           <a:p>
             <a:r>
               <a:rPr lang="en-US" dirty="0" smtClean="0"/>
-              <a:t>  stores user data</a:t>
+              <a:t>  </a:t>
+            </a:r>
+            <a:r>
+              <a:rPr lang="en-US" dirty="0" smtClean="0"/>
+              <a:t>aggregates data</a:t>
             </a:r>
             <a:endParaRPr lang="en-US" dirty="0"/>
           </a:p>
         </p:txBody>
       </p:sp>
+      <p:cxnSp>
+        <p:nvCxnSpPr>
+          <p:cNvPr id="47" name="Straight Arrow Connector 46"/>
+          <p:cNvCxnSpPr>
+            <a:stCxn id="7" idx="3"/>
+            <a:endCxn id="67" idx="2"/>
+          </p:cNvCxnSpPr>
+          <p:nvPr/>
+        </p:nvCxnSpPr>
+        <p:spPr>
+          <a:xfrm flipV="1">
+            <a:off x="3398740" y="3207575"/>
+            <a:ext cx="852010" cy="435504"/>
+          </a:xfrm>
+          <a:prstGeom prst="straightConnector1">
+            <a:avLst/>
+          </a:prstGeom>
+          <a:ln>
+            <a:tailEnd type="arrow"/>
+          </a:ln>
+        </p:spPr>
+        <p:style>
+          <a:lnRef idx="1">
+            <a:schemeClr val="accent1"/>
+          </a:lnRef>
+          <a:fillRef idx="0">
+            <a:schemeClr val="accent1"/>
+          </a:fillRef>
+          <a:effectRef idx="0">
+            <a:schemeClr val="accent1"/>
+          </a:effectRef>
+          <a:fontRef idx="minor">
+            <a:schemeClr val="tx1"/>
+          </a:fontRef>
+        </p:style>
+      </p:cxnSp>
+      <p:cxnSp>
+        <p:nvCxnSpPr>
+          <p:cNvPr id="49" name="Straight Arrow Connector 48"/>
+          <p:cNvCxnSpPr>
+            <a:stCxn id="52" idx="3"/>
+            <a:endCxn id="7" idx="1"/>
+          </p:cNvCxnSpPr>
+          <p:nvPr/>
+        </p:nvCxnSpPr>
+        <p:spPr>
+          <a:xfrm flipV="1">
+            <a:off x="1154380" y="3643079"/>
+            <a:ext cx="1741220" cy="65662"/>
+          </a:xfrm>
+          <a:prstGeom prst="straightConnector1">
+            <a:avLst/>
+          </a:prstGeom>
+          <a:ln>
+            <a:tailEnd type="arrow"/>
+          </a:ln>
+        </p:spPr>
+        <p:style>
+          <a:lnRef idx="1">
+            <a:schemeClr val="accent1"/>
+          </a:lnRef>
+          <a:fillRef idx="0">
+            <a:schemeClr val="accent1"/>
+          </a:fillRef>
+          <a:effectRef idx="0">
+            <a:schemeClr val="accent1"/>
+          </a:effectRef>
+          <a:fontRef idx="minor">
+            <a:schemeClr val="tx1"/>
+          </a:fontRef>
+        </p:style>
+      </p:cxnSp>
+      <p:pic>
+        <p:nvPicPr>
+          <p:cNvPr id="53" name="Picture 52"/>
+          <p:cNvPicPr>
+            <a:picLocks noChangeAspect="1"/>
+          </p:cNvPicPr>
+          <p:nvPr/>
+        </p:nvPicPr>
+        <p:blipFill>
+          <a:blip r:embed="rId14">
+            <a:extLst>
+              <a:ext uri="{28A0092B-C50C-407E-A947-70E740481C1C}">
+                <a14:useLocalDpi xmlns:a14="http://schemas.microsoft.com/office/drawing/2010/main" val="0"/>
+              </a:ext>
+            </a:extLst>
+          </a:blip>
+          <a:stretch>
+            <a:fillRect/>
+          </a:stretch>
+        </p:blipFill>
+        <p:spPr>
+          <a:xfrm>
+            <a:off x="320608" y="688383"/>
+            <a:ext cx="537316" cy="644780"/>
+          </a:xfrm>
+          <a:prstGeom prst="rect">
+            <a:avLst/>
+          </a:prstGeom>
+        </p:spPr>
+      </p:pic>
+      <p:pic>
+        <p:nvPicPr>
+          <p:cNvPr id="54" name="Picture 53"/>
+          <p:cNvPicPr>
+            <a:picLocks noChangeAspect="1"/>
+          </p:cNvPicPr>
+          <p:nvPr/>
+        </p:nvPicPr>
+        <p:blipFill>
+          <a:blip r:embed="rId15">
+            <a:extLst>
+              <a:ext uri="{28A0092B-C50C-407E-A947-70E740481C1C}">
+                <a14:useLocalDpi xmlns:a14="http://schemas.microsoft.com/office/drawing/2010/main" val="0"/>
+              </a:ext>
+            </a:extLst>
+          </a:blip>
+          <a:stretch>
+            <a:fillRect/>
+          </a:stretch>
+        </p:blipFill>
+        <p:spPr>
+          <a:xfrm>
+            <a:off x="305610" y="1843425"/>
+            <a:ext cx="543291" cy="651950"/>
+          </a:xfrm>
+          <a:prstGeom prst="rect">
+            <a:avLst/>
+          </a:prstGeom>
+        </p:spPr>
+      </p:pic>
+      <p:sp>
+        <p:nvSpPr>
+          <p:cNvPr id="57" name="TextBox 56"/>
+          <p:cNvSpPr txBox="1"/>
+          <p:nvPr/>
+        </p:nvSpPr>
+        <p:spPr>
+          <a:xfrm>
+            <a:off x="121439" y="1392169"/>
+            <a:ext cx="943550" cy="155448"/>
+          </a:xfrm>
+          <a:prstGeom prst="rect">
+            <a:avLst/>
+          </a:prstGeom>
+          <a:noFill/>
+        </p:spPr>
+        <p:txBody>
+          <a:bodyPr wrap="square" lIns="0" tIns="0" rIns="0" bIns="0" rtlCol="0" anchor="t">
+            <a:noAutofit/>
+          </a:bodyPr>
+          <a:lstStyle/>
+          <a:p>
+            <a:pPr algn="ctr"/>
+            <a:r>
+              <a:rPr lang="en-US" sz="1000" b="1" dirty="0" err="1" smtClean="0"/>
+              <a:t>CloudTrail</a:t>
+            </a:r>
+            <a:r>
+              <a:rPr lang="en-US" sz="1000" b="1" dirty="0" smtClean="0"/>
+              <a:t> Logs API Calls</a:t>
+            </a:r>
+            <a:endParaRPr lang="en-US" sz="1000" b="1" dirty="0"/>
+          </a:p>
+        </p:txBody>
+      </p:sp>
+      <p:sp>
+        <p:nvSpPr>
+          <p:cNvPr id="66" name="TextBox 65"/>
+          <p:cNvSpPr txBox="1"/>
+          <p:nvPr/>
+        </p:nvSpPr>
+        <p:spPr>
+          <a:xfrm>
+            <a:off x="105480" y="2547858"/>
+            <a:ext cx="943550" cy="155448"/>
+          </a:xfrm>
+          <a:prstGeom prst="rect">
+            <a:avLst/>
+          </a:prstGeom>
+          <a:noFill/>
+        </p:spPr>
+        <p:txBody>
+          <a:bodyPr wrap="square" lIns="0" tIns="0" rIns="0" bIns="0" rtlCol="0" anchor="t">
+            <a:noAutofit/>
+          </a:bodyPr>
+          <a:lstStyle/>
+          <a:p>
+            <a:pPr algn="ctr"/>
+            <a:r>
+              <a:rPr lang="en-US" sz="1000" b="1" dirty="0" smtClean="0"/>
+              <a:t>Config Tracks Changes</a:t>
+            </a:r>
+            <a:endParaRPr lang="en-US" sz="1000" b="1" dirty="0"/>
+          </a:p>
+        </p:txBody>
+      </p:sp>
+      <p:pic>
+        <p:nvPicPr>
+          <p:cNvPr id="68" name="Picture 67"/>
+          <p:cNvPicPr>
+            <a:picLocks noChangeAspect="1"/>
+          </p:cNvPicPr>
+          <p:nvPr/>
+        </p:nvPicPr>
+        <p:blipFill>
+          <a:blip r:embed="rId16">
+            <a:extLst>
+              <a:ext uri="{28A0092B-C50C-407E-A947-70E740481C1C}">
+                <a14:useLocalDpi xmlns:a14="http://schemas.microsoft.com/office/drawing/2010/main" val="0"/>
+              </a:ext>
+            </a:extLst>
+          </a:blip>
+          <a:stretch>
+            <a:fillRect/>
+          </a:stretch>
+        </p:blipFill>
+        <p:spPr>
+          <a:xfrm>
+            <a:off x="872855" y="5113513"/>
+            <a:ext cx="519942" cy="623931"/>
+          </a:xfrm>
+          <a:prstGeom prst="rect">
+            <a:avLst/>
+          </a:prstGeom>
+        </p:spPr>
+      </p:pic>
+      <p:sp>
+        <p:nvSpPr>
+          <p:cNvPr id="70" name="TextBox 69"/>
+          <p:cNvSpPr txBox="1"/>
+          <p:nvPr/>
+        </p:nvSpPr>
+        <p:spPr>
+          <a:xfrm>
+            <a:off x="121440" y="5775525"/>
+            <a:ext cx="2316960" cy="282864"/>
+          </a:xfrm>
+          <a:prstGeom prst="rect">
+            <a:avLst/>
+          </a:prstGeom>
+          <a:noFill/>
+        </p:spPr>
+        <p:txBody>
+          <a:bodyPr wrap="square" lIns="0" tIns="0" rIns="0" bIns="0" rtlCol="0" anchor="t">
+            <a:noAutofit/>
+          </a:bodyPr>
+          <a:lstStyle/>
+          <a:p>
+            <a:pPr algn="ctr"/>
+            <a:r>
+              <a:rPr lang="en-US" dirty="0" err="1"/>
+              <a:t>Cognito</a:t>
+            </a:r>
+            <a:endParaRPr lang="en-US" dirty="0"/>
+          </a:p>
+          <a:p>
+            <a:pPr algn="ctr"/>
+            <a:r>
+              <a:rPr lang="en-US" dirty="0"/>
+              <a:t>Handles Identity</a:t>
+            </a:r>
+            <a:endParaRPr lang="en-US" dirty="0"/>
+          </a:p>
+        </p:txBody>
+      </p:sp>
+      <p:cxnSp>
+        <p:nvCxnSpPr>
+          <p:cNvPr id="71" name="Straight Arrow Connector 70"/>
+          <p:cNvCxnSpPr>
+            <a:stCxn id="52" idx="2"/>
+            <a:endCxn id="68" idx="0"/>
+          </p:cNvCxnSpPr>
+          <p:nvPr/>
+        </p:nvCxnSpPr>
+        <p:spPr>
+          <a:xfrm>
+            <a:off x="881990" y="4035290"/>
+            <a:ext cx="250836" cy="1078223"/>
+          </a:xfrm>
+          <a:prstGeom prst="straightConnector1">
+            <a:avLst/>
+          </a:prstGeom>
+          <a:ln>
+            <a:tailEnd type="arrow"/>
+          </a:ln>
+        </p:spPr>
+        <p:style>
+          <a:lnRef idx="1">
+            <a:schemeClr val="accent1"/>
+          </a:lnRef>
+          <a:fillRef idx="0">
+            <a:schemeClr val="accent1"/>
+          </a:fillRef>
+          <a:effectRef idx="0">
+            <a:schemeClr val="accent1"/>
+          </a:effectRef>
+          <a:fontRef idx="minor">
+            <a:schemeClr val="tx1"/>
+          </a:fontRef>
+        </p:style>
+      </p:cxnSp>
+      <p:cxnSp>
+        <p:nvCxnSpPr>
+          <p:cNvPr id="72" name="Straight Arrow Connector 71"/>
+          <p:cNvCxnSpPr>
+            <a:stCxn id="12" idx="1"/>
+            <a:endCxn id="4098" idx="3"/>
+          </p:cNvCxnSpPr>
+          <p:nvPr/>
+        </p:nvCxnSpPr>
+        <p:spPr>
+          <a:xfrm flipH="1" flipV="1">
+            <a:off x="2697400" y="4982844"/>
+            <a:ext cx="1809573" cy="184119"/>
+          </a:xfrm>
+          <a:prstGeom prst="straightConnector1">
+            <a:avLst/>
+          </a:prstGeom>
+          <a:ln>
+            <a:tailEnd type="arrow"/>
+          </a:ln>
+        </p:spPr>
+        <p:style>
+          <a:lnRef idx="1">
+            <a:schemeClr val="accent1"/>
+          </a:lnRef>
+          <a:fillRef idx="0">
+            <a:schemeClr val="accent1"/>
+          </a:fillRef>
+          <a:effectRef idx="0">
+            <a:schemeClr val="accent1"/>
+          </a:effectRef>
+          <a:fontRef idx="minor">
+            <a:schemeClr val="tx1"/>
+          </a:fontRef>
+        </p:style>
+      </p:cxnSp>
     </p:spTree>
     <p:extLst>
       <p:ext uri="{BB962C8B-B14F-4D97-AF65-F5344CB8AC3E}">
